--- a/02d Find.pptx
+++ b/02d Find.pptx
@@ -5,44 +5,42 @@
     <p:sldMasterId id="2147483659" r:id="rId1"/>
   </p:sldMasterIdLst>
   <p:notesMasterIdLst>
-    <p:notesMasterId r:id="rId27"/>
+    <p:notesMasterId r:id="rId25"/>
   </p:notesMasterIdLst>
   <p:sldIdLst>
     <p:sldId id="263" r:id="rId2"/>
-    <p:sldId id="265" r:id="rId3"/>
-    <p:sldId id="257" r:id="rId4"/>
-    <p:sldId id="266" r:id="rId5"/>
-    <p:sldId id="267" r:id="rId6"/>
-    <p:sldId id="268" r:id="rId7"/>
-    <p:sldId id="269" r:id="rId8"/>
-    <p:sldId id="270" r:id="rId9"/>
-    <p:sldId id="271" r:id="rId10"/>
-    <p:sldId id="272" r:id="rId11"/>
-    <p:sldId id="273" r:id="rId12"/>
-    <p:sldId id="274" r:id="rId13"/>
-    <p:sldId id="275" r:id="rId14"/>
-    <p:sldId id="276" r:id="rId15"/>
-    <p:sldId id="277" r:id="rId16"/>
-    <p:sldId id="278" r:id="rId17"/>
-    <p:sldId id="279" r:id="rId18"/>
-    <p:sldId id="280" r:id="rId19"/>
-    <p:sldId id="281" r:id="rId20"/>
-    <p:sldId id="282" r:id="rId21"/>
-    <p:sldId id="283" r:id="rId22"/>
-    <p:sldId id="284" r:id="rId23"/>
-    <p:sldId id="285" r:id="rId24"/>
-    <p:sldId id="286" r:id="rId25"/>
-    <p:sldId id="287" r:id="rId26"/>
+    <p:sldId id="257" r:id="rId3"/>
+    <p:sldId id="266" r:id="rId4"/>
+    <p:sldId id="267" r:id="rId5"/>
+    <p:sldId id="268" r:id="rId6"/>
+    <p:sldId id="269" r:id="rId7"/>
+    <p:sldId id="270" r:id="rId8"/>
+    <p:sldId id="271" r:id="rId9"/>
+    <p:sldId id="272" r:id="rId10"/>
+    <p:sldId id="273" r:id="rId11"/>
+    <p:sldId id="274" r:id="rId12"/>
+    <p:sldId id="275" r:id="rId13"/>
+    <p:sldId id="276" r:id="rId14"/>
+    <p:sldId id="277" r:id="rId15"/>
+    <p:sldId id="278" r:id="rId16"/>
+    <p:sldId id="280" r:id="rId17"/>
+    <p:sldId id="281" r:id="rId18"/>
+    <p:sldId id="282" r:id="rId19"/>
+    <p:sldId id="283" r:id="rId20"/>
+    <p:sldId id="284" r:id="rId21"/>
+    <p:sldId id="285" r:id="rId22"/>
+    <p:sldId id="286" r:id="rId23"/>
+    <p:sldId id="287" r:id="rId24"/>
   </p:sldIdLst>
   <p:sldSz cx="9144000" cy="5143500" type="screen16x9"/>
   <p:notesSz cx="6858000" cy="9144000"/>
   <p:embeddedFontLst>
     <p:embeddedFont>
       <p:font typeface="Roboto" panose="02000000000000000000" pitchFamily="2" charset="0"/>
-      <p:regular r:id="rId28"/>
-      <p:bold r:id="rId29"/>
-      <p:italic r:id="rId30"/>
-      <p:boldItalic r:id="rId31"/>
+      <p:regular r:id="rId26"/>
+      <p:bold r:id="rId27"/>
+      <p:italic r:id="rId28"/>
+      <p:boldItalic r:id="rId29"/>
     </p:embeddedFont>
   </p:embeddedFontLst>
   <p:defaultTextStyle>
@@ -3243,91 +3241,6 @@
           <p:cNvPr id="2" name="Title 1">
             <a:extLst>
               <a:ext uri="{FF2B5EF4-FFF2-40B4-BE49-F238E27FC236}">
-                <a16:creationId xmlns:a16="http://schemas.microsoft.com/office/drawing/2014/main" id="{2AD8F26E-FC6F-451E-AF36-1BD7DD0B2EE4}"/>
-              </a:ext>
-            </a:extLst>
-          </p:cNvPr>
-          <p:cNvSpPr>
-            <a:spLocks noGrp="1"/>
-          </p:cNvSpPr>
-          <p:nvPr>
-            <p:ph type="title"/>
-          </p:nvPr>
-        </p:nvSpPr>
-        <p:spPr/>
-        <p:txBody>
-          <a:bodyPr/>
-          <a:lstStyle/>
-          <a:p>
-            <a:endParaRPr lang="en-GB"/>
-          </a:p>
-        </p:txBody>
-      </p:sp>
-      <p:pic>
-        <p:nvPicPr>
-          <p:cNvPr id="4" name="Picture 3" descr="Text&#10;&#10;Description automatically generated">
-            <a:extLst>
-              <a:ext uri="{FF2B5EF4-FFF2-40B4-BE49-F238E27FC236}">
-                <a16:creationId xmlns:a16="http://schemas.microsoft.com/office/drawing/2014/main" id="{012A9218-28C2-41A7-A5D0-C9D4927FF3D2}"/>
-              </a:ext>
-            </a:extLst>
-          </p:cNvPr>
-          <p:cNvPicPr>
-            <a:picLocks noChangeAspect="1"/>
-          </p:cNvPicPr>
-          <p:nvPr/>
-        </p:nvPicPr>
-        <p:blipFill>
-          <a:blip r:embed="rId2"/>
-          <a:stretch>
-            <a:fillRect/>
-          </a:stretch>
-        </p:blipFill>
-        <p:spPr>
-          <a:xfrm>
-            <a:off x="0" y="470771"/>
-            <a:ext cx="9144000" cy="4672729"/>
-          </a:xfrm>
-          <a:prstGeom prst="rect">
-            <a:avLst/>
-          </a:prstGeom>
-        </p:spPr>
-      </p:pic>
-    </p:spTree>
-    <p:extLst>
-      <p:ext uri="{BB962C8B-B14F-4D97-AF65-F5344CB8AC3E}">
-        <p14:creationId xmlns:p14="http://schemas.microsoft.com/office/powerpoint/2010/main" val="1481352360"/>
-      </p:ext>
-    </p:extLst>
-  </p:cSld>
-  <p:clrMapOvr>
-    <a:masterClrMapping/>
-  </p:clrMapOvr>
-</p:sld>
-</file>
-
-<file path=ppt/slides/slide11.xml><?xml version="1.0" encoding="utf-8"?>
-<p:sld xmlns:a="http://schemas.openxmlformats.org/drawingml/2006/main" xmlns:r="http://schemas.openxmlformats.org/officeDocument/2006/relationships" xmlns:p="http://schemas.openxmlformats.org/presentationml/2006/main">
-  <p:cSld>
-    <p:spTree>
-      <p:nvGrpSpPr>
-        <p:cNvPr id="1" name=""/>
-        <p:cNvGrpSpPr/>
-        <p:nvPr/>
-      </p:nvGrpSpPr>
-      <p:grpSpPr>
-        <a:xfrm>
-          <a:off x="0" y="0"/>
-          <a:ext cx="0" cy="0"/>
-          <a:chOff x="0" y="0"/>
-          <a:chExt cx="0" cy="0"/>
-        </a:xfrm>
-      </p:grpSpPr>
-      <p:sp>
-        <p:nvSpPr>
-          <p:cNvPr id="2" name="Title 1">
-            <a:extLst>
-              <a:ext uri="{FF2B5EF4-FFF2-40B4-BE49-F238E27FC236}">
                 <a16:creationId xmlns:a16="http://schemas.microsoft.com/office/drawing/2014/main" id="{C79A3EC9-B8DF-4DE3-BA62-222E7B55BFBF}"/>
               </a:ext>
             </a:extLst>
@@ -3391,7 +3304,7 @@
 </p:sld>
 </file>
 
-<file path=ppt/slides/slide12.xml><?xml version="1.0" encoding="utf-8"?>
+<file path=ppt/slides/slide11.xml><?xml version="1.0" encoding="utf-8"?>
 <p:sld xmlns:a="http://schemas.openxmlformats.org/drawingml/2006/main" xmlns:r="http://schemas.openxmlformats.org/officeDocument/2006/relationships" xmlns:p="http://schemas.openxmlformats.org/presentationml/2006/main">
   <p:cSld>
     <p:spTree>
@@ -3455,8 +3368,38 @@
         </p:blipFill>
         <p:spPr>
           <a:xfrm>
-            <a:off x="0" y="602550"/>
+            <a:off x="0" y="570705"/>
             <a:ext cx="9144000" cy="4672729"/>
+          </a:xfrm>
+          <a:prstGeom prst="rect">
+            <a:avLst/>
+          </a:prstGeom>
+        </p:spPr>
+      </p:pic>
+      <p:pic>
+        <p:nvPicPr>
+          <p:cNvPr id="5" name="Picture 4">
+            <a:extLst>
+              <a:ext uri="{FF2B5EF4-FFF2-40B4-BE49-F238E27FC236}">
+                <a16:creationId xmlns:a16="http://schemas.microsoft.com/office/drawing/2014/main" id="{4CBBAEAD-29D4-4966-96D5-99306FD544A1}"/>
+              </a:ext>
+            </a:extLst>
+          </p:cNvPr>
+          <p:cNvPicPr>
+            <a:picLocks noChangeAspect="1"/>
+          </p:cNvPicPr>
+          <p:nvPr/>
+        </p:nvPicPr>
+        <p:blipFill>
+          <a:blip r:embed="rId3"/>
+          <a:stretch>
+            <a:fillRect/>
+          </a:stretch>
+        </p:blipFill>
+        <p:spPr>
+          <a:xfrm>
+            <a:off x="3797397" y="4915960"/>
+            <a:ext cx="1549206" cy="279365"/>
           </a:xfrm>
           <a:prstGeom prst="rect">
             <a:avLst/>
@@ -3473,10 +3416,85 @@
   <p:clrMapOvr>
     <a:masterClrMapping/>
   </p:clrMapOvr>
+  <p:timing>
+    <p:tnLst>
+      <p:par>
+        <p:cTn id="1" dur="indefinite" restart="never" nodeType="tmRoot">
+          <p:childTnLst>
+            <p:seq concurrent="1" nextAc="seek">
+              <p:cTn id="2" dur="indefinite" nodeType="mainSeq">
+                <p:childTnLst>
+                  <p:par>
+                    <p:cTn id="3" fill="hold">
+                      <p:stCondLst>
+                        <p:cond delay="indefinite"/>
+                      </p:stCondLst>
+                      <p:childTnLst>
+                        <p:par>
+                          <p:cTn id="4" fill="hold">
+                            <p:stCondLst>
+                              <p:cond delay="0"/>
+                            </p:stCondLst>
+                            <p:childTnLst>
+                              <p:par>
+                                <p:cTn id="5" presetID="1" presetClass="entr" presetSubtype="0" fill="hold" nodeType="clickEffect">
+                                  <p:stCondLst>
+                                    <p:cond delay="0"/>
+                                  </p:stCondLst>
+                                  <p:childTnLst>
+                                    <p:set>
+                                      <p:cBhvr>
+                                        <p:cTn id="6" dur="1" fill="hold">
+                                          <p:stCondLst>
+                                            <p:cond delay="0"/>
+                                          </p:stCondLst>
+                                        </p:cTn>
+                                        <p:tgtEl>
+                                          <p:spTgt spid="5"/>
+                                        </p:tgtEl>
+                                        <p:attrNameLst>
+                                          <p:attrName>style.visibility</p:attrName>
+                                        </p:attrNameLst>
+                                      </p:cBhvr>
+                                      <p:to>
+                                        <p:strVal val="visible"/>
+                                      </p:to>
+                                    </p:set>
+                                  </p:childTnLst>
+                                </p:cTn>
+                              </p:par>
+                            </p:childTnLst>
+                          </p:cTn>
+                        </p:par>
+                      </p:childTnLst>
+                    </p:cTn>
+                  </p:par>
+                </p:childTnLst>
+              </p:cTn>
+              <p:prevCondLst>
+                <p:cond evt="onPrev" delay="0">
+                  <p:tgtEl>
+                    <p:sldTgt/>
+                  </p:tgtEl>
+                </p:cond>
+              </p:prevCondLst>
+              <p:nextCondLst>
+                <p:cond evt="onNext" delay="0">
+                  <p:tgtEl>
+                    <p:sldTgt/>
+                  </p:tgtEl>
+                </p:cond>
+              </p:nextCondLst>
+            </p:seq>
+          </p:childTnLst>
+        </p:cTn>
+      </p:par>
+    </p:tnLst>
+  </p:timing>
 </p:sld>
 </file>
 
-<file path=ppt/slides/slide13.xml><?xml version="1.0" encoding="utf-8"?>
+<file path=ppt/slides/slide12.xml><?xml version="1.0" encoding="utf-8"?>
 <p:sld xmlns:a="http://schemas.openxmlformats.org/drawingml/2006/main" xmlns:r="http://schemas.openxmlformats.org/officeDocument/2006/relationships" xmlns:p="http://schemas.openxmlformats.org/presentationml/2006/main">
   <p:cSld>
     <p:spTree>
@@ -3561,7 +3579,7 @@
 </p:sld>
 </file>
 
-<file path=ppt/slides/slide14.xml><?xml version="1.0" encoding="utf-8"?>
+<file path=ppt/slides/slide13.xml><?xml version="1.0" encoding="utf-8"?>
 <p:sld xmlns:a="http://schemas.openxmlformats.org/drawingml/2006/main" xmlns:r="http://schemas.openxmlformats.org/officeDocument/2006/relationships" xmlns:p="http://schemas.openxmlformats.org/presentationml/2006/main">
   <p:cSld>
     <p:spTree>
@@ -3633,6 +3651,36 @@
           </a:prstGeom>
         </p:spPr>
       </p:pic>
+      <p:pic>
+        <p:nvPicPr>
+          <p:cNvPr id="5" name="Picture 4">
+            <a:extLst>
+              <a:ext uri="{FF2B5EF4-FFF2-40B4-BE49-F238E27FC236}">
+                <a16:creationId xmlns:a16="http://schemas.microsoft.com/office/drawing/2014/main" id="{F8E029EE-CFA7-47AC-9B3B-7A0E2E7D740E}"/>
+              </a:ext>
+            </a:extLst>
+          </p:cNvPr>
+          <p:cNvPicPr>
+            <a:picLocks noChangeAspect="1"/>
+          </p:cNvPicPr>
+          <p:nvPr/>
+        </p:nvPicPr>
+        <p:blipFill>
+          <a:blip r:embed="rId3"/>
+          <a:stretch>
+            <a:fillRect/>
+          </a:stretch>
+        </p:blipFill>
+        <p:spPr>
+          <a:xfrm>
+            <a:off x="1117887" y="4835857"/>
+            <a:ext cx="2007450" cy="181970"/>
+          </a:xfrm>
+          <a:prstGeom prst="rect">
+            <a:avLst/>
+          </a:prstGeom>
+        </p:spPr>
+      </p:pic>
     </p:spTree>
     <p:extLst>
       <p:ext uri="{BB962C8B-B14F-4D97-AF65-F5344CB8AC3E}">
@@ -3643,10 +3691,85 @@
   <p:clrMapOvr>
     <a:masterClrMapping/>
   </p:clrMapOvr>
+  <p:timing>
+    <p:tnLst>
+      <p:par>
+        <p:cTn id="1" dur="indefinite" restart="never" nodeType="tmRoot">
+          <p:childTnLst>
+            <p:seq concurrent="1" nextAc="seek">
+              <p:cTn id="2" dur="indefinite" nodeType="mainSeq">
+                <p:childTnLst>
+                  <p:par>
+                    <p:cTn id="3" fill="hold">
+                      <p:stCondLst>
+                        <p:cond delay="indefinite"/>
+                      </p:stCondLst>
+                      <p:childTnLst>
+                        <p:par>
+                          <p:cTn id="4" fill="hold">
+                            <p:stCondLst>
+                              <p:cond delay="0"/>
+                            </p:stCondLst>
+                            <p:childTnLst>
+                              <p:par>
+                                <p:cTn id="5" presetID="1" presetClass="entr" presetSubtype="0" fill="hold" nodeType="clickEffect">
+                                  <p:stCondLst>
+                                    <p:cond delay="0"/>
+                                  </p:stCondLst>
+                                  <p:childTnLst>
+                                    <p:set>
+                                      <p:cBhvr>
+                                        <p:cTn id="6" dur="1" fill="hold">
+                                          <p:stCondLst>
+                                            <p:cond delay="0"/>
+                                          </p:stCondLst>
+                                        </p:cTn>
+                                        <p:tgtEl>
+                                          <p:spTgt spid="5"/>
+                                        </p:tgtEl>
+                                        <p:attrNameLst>
+                                          <p:attrName>style.visibility</p:attrName>
+                                        </p:attrNameLst>
+                                      </p:cBhvr>
+                                      <p:to>
+                                        <p:strVal val="visible"/>
+                                      </p:to>
+                                    </p:set>
+                                  </p:childTnLst>
+                                </p:cTn>
+                              </p:par>
+                            </p:childTnLst>
+                          </p:cTn>
+                        </p:par>
+                      </p:childTnLst>
+                    </p:cTn>
+                  </p:par>
+                </p:childTnLst>
+              </p:cTn>
+              <p:prevCondLst>
+                <p:cond evt="onPrev" delay="0">
+                  <p:tgtEl>
+                    <p:sldTgt/>
+                  </p:tgtEl>
+                </p:cond>
+              </p:prevCondLst>
+              <p:nextCondLst>
+                <p:cond evt="onNext" delay="0">
+                  <p:tgtEl>
+                    <p:sldTgt/>
+                  </p:tgtEl>
+                </p:cond>
+              </p:nextCondLst>
+            </p:seq>
+          </p:childTnLst>
+        </p:cTn>
+      </p:par>
+    </p:tnLst>
+  </p:timing>
 </p:sld>
 </file>
 
-<file path=ppt/slides/slide15.xml><?xml version="1.0" encoding="utf-8"?>
+<file path=ppt/slides/slide14.xml><?xml version="1.0" encoding="utf-8"?>
 <p:sld xmlns:a="http://schemas.openxmlformats.org/drawingml/2006/main" xmlns:r="http://schemas.openxmlformats.org/officeDocument/2006/relationships" xmlns:p="http://schemas.openxmlformats.org/presentationml/2006/main">
   <p:cSld>
     <p:spTree>
@@ -3731,7 +3854,7 @@
 </p:sld>
 </file>
 
-<file path=ppt/slides/slide16.xml><?xml version="1.0" encoding="utf-8"?>
+<file path=ppt/slides/slide15.xml><?xml version="1.0" encoding="utf-8"?>
 <p:sld xmlns:a="http://schemas.openxmlformats.org/drawingml/2006/main" xmlns:r="http://schemas.openxmlformats.org/officeDocument/2006/relationships" xmlns:p="http://schemas.openxmlformats.org/presentationml/2006/main">
   <p:cSld>
     <p:spTree>
@@ -3803,6 +3926,36 @@
           </a:prstGeom>
         </p:spPr>
       </p:pic>
+      <p:pic>
+        <p:nvPicPr>
+          <p:cNvPr id="5" name="Picture 4">
+            <a:extLst>
+              <a:ext uri="{FF2B5EF4-FFF2-40B4-BE49-F238E27FC236}">
+                <a16:creationId xmlns:a16="http://schemas.microsoft.com/office/drawing/2014/main" id="{EB53EC8B-02BF-42DD-B23D-1F1D465900AF}"/>
+              </a:ext>
+            </a:extLst>
+          </p:cNvPr>
+          <p:cNvPicPr>
+            <a:picLocks noChangeAspect="1"/>
+          </p:cNvPicPr>
+          <p:nvPr/>
+        </p:nvPicPr>
+        <p:blipFill>
+          <a:blip r:embed="rId3"/>
+          <a:stretch>
+            <a:fillRect/>
+          </a:stretch>
+        </p:blipFill>
+        <p:spPr>
+          <a:xfrm>
+            <a:off x="399104" y="4844955"/>
+            <a:ext cx="1115797" cy="195618"/>
+          </a:xfrm>
+          <a:prstGeom prst="rect">
+            <a:avLst/>
+          </a:prstGeom>
+        </p:spPr>
+      </p:pic>
     </p:spTree>
     <p:extLst>
       <p:ext uri="{BB962C8B-B14F-4D97-AF65-F5344CB8AC3E}">
@@ -3813,95 +3966,85 @@
   <p:clrMapOvr>
     <a:masterClrMapping/>
   </p:clrMapOvr>
+  <p:timing>
+    <p:tnLst>
+      <p:par>
+        <p:cTn id="1" dur="indefinite" restart="never" nodeType="tmRoot">
+          <p:childTnLst>
+            <p:seq concurrent="1" nextAc="seek">
+              <p:cTn id="2" dur="indefinite" nodeType="mainSeq">
+                <p:childTnLst>
+                  <p:par>
+                    <p:cTn id="3" fill="hold">
+                      <p:stCondLst>
+                        <p:cond delay="indefinite"/>
+                      </p:stCondLst>
+                      <p:childTnLst>
+                        <p:par>
+                          <p:cTn id="4" fill="hold">
+                            <p:stCondLst>
+                              <p:cond delay="0"/>
+                            </p:stCondLst>
+                            <p:childTnLst>
+                              <p:par>
+                                <p:cTn id="5" presetID="1" presetClass="entr" presetSubtype="0" fill="hold" nodeType="clickEffect">
+                                  <p:stCondLst>
+                                    <p:cond delay="0"/>
+                                  </p:stCondLst>
+                                  <p:childTnLst>
+                                    <p:set>
+                                      <p:cBhvr>
+                                        <p:cTn id="6" dur="1" fill="hold">
+                                          <p:stCondLst>
+                                            <p:cond delay="0"/>
+                                          </p:stCondLst>
+                                        </p:cTn>
+                                        <p:tgtEl>
+                                          <p:spTgt spid="5"/>
+                                        </p:tgtEl>
+                                        <p:attrNameLst>
+                                          <p:attrName>style.visibility</p:attrName>
+                                        </p:attrNameLst>
+                                      </p:cBhvr>
+                                      <p:to>
+                                        <p:strVal val="visible"/>
+                                      </p:to>
+                                    </p:set>
+                                  </p:childTnLst>
+                                </p:cTn>
+                              </p:par>
+                            </p:childTnLst>
+                          </p:cTn>
+                        </p:par>
+                      </p:childTnLst>
+                    </p:cTn>
+                  </p:par>
+                </p:childTnLst>
+              </p:cTn>
+              <p:prevCondLst>
+                <p:cond evt="onPrev" delay="0">
+                  <p:tgtEl>
+                    <p:sldTgt/>
+                  </p:tgtEl>
+                </p:cond>
+              </p:prevCondLst>
+              <p:nextCondLst>
+                <p:cond evt="onNext" delay="0">
+                  <p:tgtEl>
+                    <p:sldTgt/>
+                  </p:tgtEl>
+                </p:cond>
+              </p:nextCondLst>
+            </p:seq>
+          </p:childTnLst>
+        </p:cTn>
+      </p:par>
+    </p:tnLst>
+  </p:timing>
 </p:sld>
 </file>
 
-<file path=ppt/slides/slide17.xml><?xml version="1.0" encoding="utf-8"?>
-<p:sld xmlns:a="http://schemas.openxmlformats.org/drawingml/2006/main" xmlns:r="http://schemas.openxmlformats.org/officeDocument/2006/relationships" xmlns:p="http://schemas.openxmlformats.org/presentationml/2006/main">
-  <p:cSld>
-    <p:spTree>
-      <p:nvGrpSpPr>
-        <p:cNvPr id="1" name=""/>
-        <p:cNvGrpSpPr/>
-        <p:nvPr/>
-      </p:nvGrpSpPr>
-      <p:grpSpPr>
-        <a:xfrm>
-          <a:off x="0" y="0"/>
-          <a:ext cx="0" cy="0"/>
-          <a:chOff x="0" y="0"/>
-          <a:chExt cx="0" cy="0"/>
-        </a:xfrm>
-      </p:grpSpPr>
-      <p:sp>
-        <p:nvSpPr>
-          <p:cNvPr id="2" name="Title 1">
-            <a:extLst>
-              <a:ext uri="{FF2B5EF4-FFF2-40B4-BE49-F238E27FC236}">
-                <a16:creationId xmlns:a16="http://schemas.microsoft.com/office/drawing/2014/main" id="{220EF9EB-8479-4F01-9624-67351AB59CDD}"/>
-              </a:ext>
-            </a:extLst>
-          </p:cNvPr>
-          <p:cNvSpPr>
-            <a:spLocks noGrp="1"/>
-          </p:cNvSpPr>
-          <p:nvPr>
-            <p:ph type="title"/>
-          </p:nvPr>
-        </p:nvSpPr>
-        <p:spPr/>
-        <p:txBody>
-          <a:bodyPr/>
-          <a:lstStyle/>
-          <a:p>
-            <a:endParaRPr lang="en-GB"/>
-          </a:p>
-        </p:txBody>
-      </p:sp>
-      <p:pic>
-        <p:nvPicPr>
-          <p:cNvPr id="4" name="Picture 3" descr="Text&#10;&#10;Description automatically generated">
-            <a:extLst>
-              <a:ext uri="{FF2B5EF4-FFF2-40B4-BE49-F238E27FC236}">
-                <a16:creationId xmlns:a16="http://schemas.microsoft.com/office/drawing/2014/main" id="{FC559D5B-3D15-4669-AD33-D90B0A0A9D92}"/>
-              </a:ext>
-            </a:extLst>
-          </p:cNvPr>
-          <p:cNvPicPr>
-            <a:picLocks noChangeAspect="1"/>
-          </p:cNvPicPr>
-          <p:nvPr/>
-        </p:nvPicPr>
-        <p:blipFill>
-          <a:blip r:embed="rId2"/>
-          <a:stretch>
-            <a:fillRect/>
-          </a:stretch>
-        </p:blipFill>
-        <p:spPr>
-          <a:xfrm>
-            <a:off x="0" y="470771"/>
-            <a:ext cx="9144000" cy="4672729"/>
-          </a:xfrm>
-          <a:prstGeom prst="rect">
-            <a:avLst/>
-          </a:prstGeom>
-        </p:spPr>
-      </p:pic>
-    </p:spTree>
-    <p:extLst>
-      <p:ext uri="{BB962C8B-B14F-4D97-AF65-F5344CB8AC3E}">
-        <p14:creationId xmlns:p14="http://schemas.microsoft.com/office/powerpoint/2010/main" val="2884251651"/>
-      </p:ext>
-    </p:extLst>
-  </p:cSld>
-  <p:clrMapOvr>
-    <a:masterClrMapping/>
-  </p:clrMapOvr>
-</p:sld>
-</file>
-
-<file path=ppt/slides/slide18.xml><?xml version="1.0" encoding="utf-8"?>
+<file path=ppt/slides/slide16.xml><?xml version="1.0" encoding="utf-8"?>
 <p:sld xmlns:a="http://schemas.openxmlformats.org/drawingml/2006/main" xmlns:r="http://schemas.openxmlformats.org/officeDocument/2006/relationships" xmlns:p="http://schemas.openxmlformats.org/presentationml/2006/main">
   <p:cSld>
     <p:spTree>
@@ -3965,7 +4108,7 @@
         </p:blipFill>
         <p:spPr>
           <a:xfrm>
-            <a:off x="0" y="470771"/>
+            <a:off x="4549" y="470771"/>
             <a:ext cx="9144000" cy="4672729"/>
           </a:xfrm>
           <a:prstGeom prst="rect">
@@ -3973,6 +4116,90 @@
           </a:prstGeom>
         </p:spPr>
       </p:pic>
+      <p:pic>
+        <p:nvPicPr>
+          <p:cNvPr id="5" name="Picture 4">
+            <a:extLst>
+              <a:ext uri="{FF2B5EF4-FFF2-40B4-BE49-F238E27FC236}">
+                <a16:creationId xmlns:a16="http://schemas.microsoft.com/office/drawing/2014/main" id="{C36051D0-344C-4C06-A18D-E67DD1633F93}"/>
+              </a:ext>
+            </a:extLst>
+          </p:cNvPr>
+          <p:cNvPicPr>
+            <a:picLocks noChangeAspect="1"/>
+          </p:cNvPicPr>
+          <p:nvPr/>
+        </p:nvPicPr>
+        <p:blipFill>
+          <a:blip r:embed="rId3"/>
+          <a:stretch>
+            <a:fillRect/>
+          </a:stretch>
+        </p:blipFill>
+        <p:spPr>
+          <a:xfrm>
+            <a:off x="1409039" y="4824975"/>
+            <a:ext cx="688167" cy="224697"/>
+          </a:xfrm>
+          <a:prstGeom prst="rect">
+            <a:avLst/>
+          </a:prstGeom>
+        </p:spPr>
+      </p:pic>
+      <p:sp>
+        <p:nvSpPr>
+          <p:cNvPr id="3" name="Rectangle 2">
+            <a:extLst>
+              <a:ext uri="{FF2B5EF4-FFF2-40B4-BE49-F238E27FC236}">
+                <a16:creationId xmlns:a16="http://schemas.microsoft.com/office/drawing/2014/main" id="{0AEF1DCD-D603-4BDF-ACB5-BF78901ED23B}"/>
+              </a:ext>
+            </a:extLst>
+          </p:cNvPr>
+          <p:cNvSpPr/>
+          <p:nvPr/>
+        </p:nvSpPr>
+        <p:spPr>
+          <a:xfrm>
+            <a:off x="48811" y="4609948"/>
+            <a:ext cx="5369349" cy="489765"/>
+          </a:xfrm>
+          <a:prstGeom prst="rect">
+            <a:avLst/>
+          </a:prstGeom>
+          <a:solidFill>
+            <a:srgbClr val="0C0C0C"/>
+          </a:solidFill>
+          <a:ln>
+            <a:solidFill>
+              <a:srgbClr val="0C0C0C"/>
+            </a:solidFill>
+          </a:ln>
+        </p:spPr>
+        <p:style>
+          <a:lnRef idx="2">
+            <a:schemeClr val="accent1">
+              <a:shade val="50000"/>
+            </a:schemeClr>
+          </a:lnRef>
+          <a:fillRef idx="1">
+            <a:schemeClr val="accent1"/>
+          </a:fillRef>
+          <a:effectRef idx="0">
+            <a:schemeClr val="accent1"/>
+          </a:effectRef>
+          <a:fontRef idx="minor">
+            <a:schemeClr val="lt1"/>
+          </a:fontRef>
+        </p:style>
+        <p:txBody>
+          <a:bodyPr rtlCol="0" anchor="ctr"/>
+          <a:lstStyle/>
+          <a:p>
+            <a:pPr algn="ctr"/>
+            <a:endParaRPr lang="en-GB"/>
+          </a:p>
+        </p:txBody>
+      </p:sp>
     </p:spTree>
     <p:extLst>
       <p:ext uri="{BB962C8B-B14F-4D97-AF65-F5344CB8AC3E}">
@@ -3983,10 +4210,141 @@
   <p:clrMapOvr>
     <a:masterClrMapping/>
   </p:clrMapOvr>
+  <p:timing>
+    <p:tnLst>
+      <p:par>
+        <p:cTn id="1" dur="indefinite" restart="never" nodeType="tmRoot">
+          <p:childTnLst>
+            <p:seq concurrent="1" nextAc="seek">
+              <p:cTn id="2" dur="indefinite" nodeType="mainSeq">
+                <p:childTnLst>
+                  <p:par>
+                    <p:cTn id="3" fill="hold">
+                      <p:stCondLst>
+                        <p:cond delay="indefinite"/>
+                      </p:stCondLst>
+                      <p:childTnLst>
+                        <p:par>
+                          <p:cTn id="4" fill="hold">
+                            <p:stCondLst>
+                              <p:cond delay="0"/>
+                            </p:stCondLst>
+                            <p:childTnLst>
+                              <p:par>
+                                <p:cTn id="5" presetID="10" presetClass="exit" presetSubtype="0" fill="hold" grpId="0" nodeType="clickEffect">
+                                  <p:stCondLst>
+                                    <p:cond delay="0"/>
+                                  </p:stCondLst>
+                                  <p:childTnLst>
+                                    <p:animEffect transition="out" filter="fade">
+                                      <p:cBhvr>
+                                        <p:cTn id="6" dur="500"/>
+                                        <p:tgtEl>
+                                          <p:spTgt spid="3"/>
+                                        </p:tgtEl>
+                                      </p:cBhvr>
+                                    </p:animEffect>
+                                    <p:set>
+                                      <p:cBhvr>
+                                        <p:cTn id="7" dur="1" fill="hold">
+                                          <p:stCondLst>
+                                            <p:cond delay="499"/>
+                                          </p:stCondLst>
+                                        </p:cTn>
+                                        <p:tgtEl>
+                                          <p:spTgt spid="3"/>
+                                        </p:tgtEl>
+                                        <p:attrNameLst>
+                                          <p:attrName>style.visibility</p:attrName>
+                                        </p:attrNameLst>
+                                      </p:cBhvr>
+                                      <p:to>
+                                        <p:strVal val="hidden"/>
+                                      </p:to>
+                                    </p:set>
+                                  </p:childTnLst>
+                                </p:cTn>
+                              </p:par>
+                            </p:childTnLst>
+                          </p:cTn>
+                        </p:par>
+                      </p:childTnLst>
+                    </p:cTn>
+                  </p:par>
+                  <p:par>
+                    <p:cTn id="8" fill="hold">
+                      <p:stCondLst>
+                        <p:cond delay="indefinite"/>
+                      </p:stCondLst>
+                      <p:childTnLst>
+                        <p:par>
+                          <p:cTn id="9" fill="hold">
+                            <p:stCondLst>
+                              <p:cond delay="0"/>
+                            </p:stCondLst>
+                            <p:childTnLst>
+                              <p:par>
+                                <p:cTn id="10" presetID="1" presetClass="entr" presetSubtype="0" fill="hold" nodeType="clickEffect">
+                                  <p:stCondLst>
+                                    <p:cond delay="0"/>
+                                  </p:stCondLst>
+                                  <p:childTnLst>
+                                    <p:set>
+                                      <p:cBhvr>
+                                        <p:cTn id="11" dur="1" fill="hold">
+                                          <p:stCondLst>
+                                            <p:cond delay="0"/>
+                                          </p:stCondLst>
+                                        </p:cTn>
+                                        <p:tgtEl>
+                                          <p:spTgt spid="5"/>
+                                        </p:tgtEl>
+                                        <p:attrNameLst>
+                                          <p:attrName>style.visibility</p:attrName>
+                                        </p:attrNameLst>
+                                      </p:cBhvr>
+                                      <p:to>
+                                        <p:strVal val="visible"/>
+                                      </p:to>
+                                    </p:set>
+                                  </p:childTnLst>
+                                </p:cTn>
+                              </p:par>
+                            </p:childTnLst>
+                          </p:cTn>
+                        </p:par>
+                      </p:childTnLst>
+                    </p:cTn>
+                  </p:par>
+                </p:childTnLst>
+              </p:cTn>
+              <p:prevCondLst>
+                <p:cond evt="onPrev" delay="0">
+                  <p:tgtEl>
+                    <p:sldTgt/>
+                  </p:tgtEl>
+                </p:cond>
+              </p:prevCondLst>
+              <p:nextCondLst>
+                <p:cond evt="onNext" delay="0">
+                  <p:tgtEl>
+                    <p:sldTgt/>
+                  </p:tgtEl>
+                </p:cond>
+              </p:nextCondLst>
+            </p:seq>
+          </p:childTnLst>
+        </p:cTn>
+      </p:par>
+    </p:tnLst>
+    <p:bldLst>
+      <p:bldP spid="3" grpId="0" animBg="1"/>
+    </p:bldLst>
+  </p:timing>
 </p:sld>
 </file>
 
-<file path=ppt/slides/slide19.xml><?xml version="1.0" encoding="utf-8"?>
+<file path=ppt/slides/slide17.xml><?xml version="1.0" encoding="utf-8"?>
 <p:sld xmlns:a="http://schemas.openxmlformats.org/drawingml/2006/main" xmlns:r="http://schemas.openxmlformats.org/officeDocument/2006/relationships" xmlns:p="http://schemas.openxmlformats.org/presentationml/2006/main">
   <p:cSld>
     <p:spTree>
@@ -4071,62 +4429,7 @@
 </p:sld>
 </file>
 
-<file path=ppt/slides/slide2.xml><?xml version="1.0" encoding="utf-8"?>
-<p:sld xmlns:a="http://schemas.openxmlformats.org/drawingml/2006/main" xmlns:r="http://schemas.openxmlformats.org/officeDocument/2006/relationships" xmlns:p="http://schemas.openxmlformats.org/presentationml/2006/main">
-  <p:cSld>
-    <p:spTree>
-      <p:nvGrpSpPr>
-        <p:cNvPr id="1" name=""/>
-        <p:cNvGrpSpPr/>
-        <p:nvPr/>
-      </p:nvGrpSpPr>
-      <p:grpSpPr>
-        <a:xfrm>
-          <a:off x="0" y="0"/>
-          <a:ext cx="0" cy="0"/>
-          <a:chOff x="0" y="0"/>
-          <a:chExt cx="0" cy="0"/>
-        </a:xfrm>
-      </p:grpSpPr>
-      <p:sp>
-        <p:nvSpPr>
-          <p:cNvPr id="2" name="Title 1">
-            <a:extLst>
-              <a:ext uri="{FF2B5EF4-FFF2-40B4-BE49-F238E27FC236}">
-                <a16:creationId xmlns:a16="http://schemas.microsoft.com/office/drawing/2014/main" id="{0748A1FF-B959-46E4-97F9-A4F2FC9E4EDD}"/>
-              </a:ext>
-            </a:extLst>
-          </p:cNvPr>
-          <p:cNvSpPr>
-            <a:spLocks noGrp="1"/>
-          </p:cNvSpPr>
-          <p:nvPr>
-            <p:ph type="title"/>
-          </p:nvPr>
-        </p:nvSpPr>
-        <p:spPr/>
-        <p:txBody>
-          <a:bodyPr/>
-          <a:lstStyle/>
-          <a:p>
-            <a:endParaRPr lang="en-GB"/>
-          </a:p>
-        </p:txBody>
-      </p:sp>
-    </p:spTree>
-    <p:extLst>
-      <p:ext uri="{BB962C8B-B14F-4D97-AF65-F5344CB8AC3E}">
-        <p14:creationId xmlns:p14="http://schemas.microsoft.com/office/powerpoint/2010/main" val="3351041077"/>
-      </p:ext>
-    </p:extLst>
-  </p:cSld>
-  <p:clrMapOvr>
-    <a:masterClrMapping/>
-  </p:clrMapOvr>
-</p:sld>
-</file>
-
-<file path=ppt/slides/slide20.xml><?xml version="1.0" encoding="utf-8"?>
+<file path=ppt/slides/slide18.xml><?xml version="1.0" encoding="utf-8"?>
 <p:sld xmlns:a="http://schemas.openxmlformats.org/drawingml/2006/main" xmlns:r="http://schemas.openxmlformats.org/officeDocument/2006/relationships" xmlns:p="http://schemas.openxmlformats.org/presentationml/2006/main">
   <p:cSld>
     <p:spTree>
@@ -4228,6 +4531,36 @@
           </a:prstGeom>
         </p:spPr>
       </p:pic>
+      <p:pic>
+        <p:nvPicPr>
+          <p:cNvPr id="5" name="Picture 4">
+            <a:extLst>
+              <a:ext uri="{FF2B5EF4-FFF2-40B4-BE49-F238E27FC236}">
+                <a16:creationId xmlns:a16="http://schemas.microsoft.com/office/drawing/2014/main" id="{213059B3-8D7A-49CF-9F0E-BDA8E8589245}"/>
+              </a:ext>
+            </a:extLst>
+          </p:cNvPr>
+          <p:cNvPicPr>
+            <a:picLocks noChangeAspect="1"/>
+          </p:cNvPicPr>
+          <p:nvPr/>
+        </p:nvPicPr>
+        <p:blipFill>
+          <a:blip r:embed="rId4"/>
+          <a:stretch>
+            <a:fillRect/>
+          </a:stretch>
+        </p:blipFill>
+        <p:spPr>
+          <a:xfrm>
+            <a:off x="4097646" y="1977142"/>
+            <a:ext cx="2280407" cy="224697"/>
+          </a:xfrm>
+          <a:prstGeom prst="rect">
+            <a:avLst/>
+          </a:prstGeom>
+        </p:spPr>
+      </p:pic>
     </p:spTree>
     <p:extLst>
       <p:ext uri="{BB962C8B-B14F-4D97-AF65-F5344CB8AC3E}">
@@ -4238,10 +4571,85 @@
   <p:clrMapOvr>
     <a:masterClrMapping/>
   </p:clrMapOvr>
+  <p:timing>
+    <p:tnLst>
+      <p:par>
+        <p:cTn id="1" dur="indefinite" restart="never" nodeType="tmRoot">
+          <p:childTnLst>
+            <p:seq concurrent="1" nextAc="seek">
+              <p:cTn id="2" dur="indefinite" nodeType="mainSeq">
+                <p:childTnLst>
+                  <p:par>
+                    <p:cTn id="3" fill="hold">
+                      <p:stCondLst>
+                        <p:cond delay="indefinite"/>
+                      </p:stCondLst>
+                      <p:childTnLst>
+                        <p:par>
+                          <p:cTn id="4" fill="hold">
+                            <p:stCondLst>
+                              <p:cond delay="0"/>
+                            </p:stCondLst>
+                            <p:childTnLst>
+                              <p:par>
+                                <p:cTn id="5" presetID="1" presetClass="entr" presetSubtype="0" fill="hold" nodeType="clickEffect">
+                                  <p:stCondLst>
+                                    <p:cond delay="0"/>
+                                  </p:stCondLst>
+                                  <p:childTnLst>
+                                    <p:set>
+                                      <p:cBhvr>
+                                        <p:cTn id="6" dur="1" fill="hold">
+                                          <p:stCondLst>
+                                            <p:cond delay="0"/>
+                                          </p:stCondLst>
+                                        </p:cTn>
+                                        <p:tgtEl>
+                                          <p:spTgt spid="5"/>
+                                        </p:tgtEl>
+                                        <p:attrNameLst>
+                                          <p:attrName>style.visibility</p:attrName>
+                                        </p:attrNameLst>
+                                      </p:cBhvr>
+                                      <p:to>
+                                        <p:strVal val="visible"/>
+                                      </p:to>
+                                    </p:set>
+                                  </p:childTnLst>
+                                </p:cTn>
+                              </p:par>
+                            </p:childTnLst>
+                          </p:cTn>
+                        </p:par>
+                      </p:childTnLst>
+                    </p:cTn>
+                  </p:par>
+                </p:childTnLst>
+              </p:cTn>
+              <p:prevCondLst>
+                <p:cond evt="onPrev" delay="0">
+                  <p:tgtEl>
+                    <p:sldTgt/>
+                  </p:tgtEl>
+                </p:cond>
+              </p:prevCondLst>
+              <p:nextCondLst>
+                <p:cond evt="onNext" delay="0">
+                  <p:tgtEl>
+                    <p:sldTgt/>
+                  </p:tgtEl>
+                </p:cond>
+              </p:nextCondLst>
+            </p:seq>
+          </p:childTnLst>
+        </p:cTn>
+      </p:par>
+    </p:tnLst>
+  </p:timing>
 </p:sld>
 </file>
 
-<file path=ppt/slides/slide21.xml><?xml version="1.0" encoding="utf-8"?>
+<file path=ppt/slides/slide19.xml><?xml version="1.0" encoding="utf-8"?>
 <p:sld xmlns:a="http://schemas.openxmlformats.org/drawingml/2006/main" xmlns:r="http://schemas.openxmlformats.org/officeDocument/2006/relationships" xmlns:p="http://schemas.openxmlformats.org/presentationml/2006/main">
   <p:cSld>
     <p:spTree>
@@ -4326,347 +4734,7 @@
 </p:sld>
 </file>
 
-<file path=ppt/slides/slide22.xml><?xml version="1.0" encoding="utf-8"?>
-<p:sld xmlns:a="http://schemas.openxmlformats.org/drawingml/2006/main" xmlns:r="http://schemas.openxmlformats.org/officeDocument/2006/relationships" xmlns:p="http://schemas.openxmlformats.org/presentationml/2006/main">
-  <p:cSld>
-    <p:spTree>
-      <p:nvGrpSpPr>
-        <p:cNvPr id="1" name=""/>
-        <p:cNvGrpSpPr/>
-        <p:nvPr/>
-      </p:nvGrpSpPr>
-      <p:grpSpPr>
-        <a:xfrm>
-          <a:off x="0" y="0"/>
-          <a:ext cx="0" cy="0"/>
-          <a:chOff x="0" y="0"/>
-          <a:chExt cx="0" cy="0"/>
-        </a:xfrm>
-      </p:grpSpPr>
-      <p:sp>
-        <p:nvSpPr>
-          <p:cNvPr id="2" name="Title 1">
-            <a:extLst>
-              <a:ext uri="{FF2B5EF4-FFF2-40B4-BE49-F238E27FC236}">
-                <a16:creationId xmlns:a16="http://schemas.microsoft.com/office/drawing/2014/main" id="{0A502668-8E7A-45D5-A314-DDEAB98F98CD}"/>
-              </a:ext>
-            </a:extLst>
-          </p:cNvPr>
-          <p:cNvSpPr>
-            <a:spLocks noGrp="1"/>
-          </p:cNvSpPr>
-          <p:nvPr>
-            <p:ph type="title"/>
-          </p:nvPr>
-        </p:nvSpPr>
-        <p:spPr/>
-        <p:txBody>
-          <a:bodyPr/>
-          <a:lstStyle/>
-          <a:p>
-            <a:endParaRPr lang="en-GB"/>
-          </a:p>
-        </p:txBody>
-      </p:sp>
-      <p:pic>
-        <p:nvPicPr>
-          <p:cNvPr id="4" name="Picture 3" descr="Text&#10;&#10;Description automatically generated">
-            <a:extLst>
-              <a:ext uri="{FF2B5EF4-FFF2-40B4-BE49-F238E27FC236}">
-                <a16:creationId xmlns:a16="http://schemas.microsoft.com/office/drawing/2014/main" id="{70369D42-C91C-4559-8B6A-9EC1DF654B4E}"/>
-              </a:ext>
-            </a:extLst>
-          </p:cNvPr>
-          <p:cNvPicPr>
-            <a:picLocks noChangeAspect="1"/>
-          </p:cNvPicPr>
-          <p:nvPr/>
-        </p:nvPicPr>
-        <p:blipFill>
-          <a:blip r:embed="rId2"/>
-          <a:stretch>
-            <a:fillRect/>
-          </a:stretch>
-        </p:blipFill>
-        <p:spPr>
-          <a:xfrm>
-            <a:off x="0" y="470771"/>
-            <a:ext cx="9144000" cy="4672729"/>
-          </a:xfrm>
-          <a:prstGeom prst="rect">
-            <a:avLst/>
-          </a:prstGeom>
-        </p:spPr>
-      </p:pic>
-    </p:spTree>
-    <p:extLst>
-      <p:ext uri="{BB962C8B-B14F-4D97-AF65-F5344CB8AC3E}">
-        <p14:creationId xmlns:p14="http://schemas.microsoft.com/office/powerpoint/2010/main" val="1534210616"/>
-      </p:ext>
-    </p:extLst>
-  </p:cSld>
-  <p:clrMapOvr>
-    <a:masterClrMapping/>
-  </p:clrMapOvr>
-</p:sld>
-</file>
-
-<file path=ppt/slides/slide23.xml><?xml version="1.0" encoding="utf-8"?>
-<p:sld xmlns:a="http://schemas.openxmlformats.org/drawingml/2006/main" xmlns:r="http://schemas.openxmlformats.org/officeDocument/2006/relationships" xmlns:p="http://schemas.openxmlformats.org/presentationml/2006/main">
-  <p:cSld>
-    <p:spTree>
-      <p:nvGrpSpPr>
-        <p:cNvPr id="1" name=""/>
-        <p:cNvGrpSpPr/>
-        <p:nvPr/>
-      </p:nvGrpSpPr>
-      <p:grpSpPr>
-        <a:xfrm>
-          <a:off x="0" y="0"/>
-          <a:ext cx="0" cy="0"/>
-          <a:chOff x="0" y="0"/>
-          <a:chExt cx="0" cy="0"/>
-        </a:xfrm>
-      </p:grpSpPr>
-      <p:sp>
-        <p:nvSpPr>
-          <p:cNvPr id="2" name="Title 1">
-            <a:extLst>
-              <a:ext uri="{FF2B5EF4-FFF2-40B4-BE49-F238E27FC236}">
-                <a16:creationId xmlns:a16="http://schemas.microsoft.com/office/drawing/2014/main" id="{BC41AB3A-D930-4C17-838D-643461858B5A}"/>
-              </a:ext>
-            </a:extLst>
-          </p:cNvPr>
-          <p:cNvSpPr>
-            <a:spLocks noGrp="1"/>
-          </p:cNvSpPr>
-          <p:nvPr>
-            <p:ph type="title"/>
-          </p:nvPr>
-        </p:nvSpPr>
-        <p:spPr/>
-        <p:txBody>
-          <a:bodyPr/>
-          <a:lstStyle/>
-          <a:p>
-            <a:endParaRPr lang="en-GB"/>
-          </a:p>
-        </p:txBody>
-      </p:sp>
-      <p:pic>
-        <p:nvPicPr>
-          <p:cNvPr id="4" name="Picture 3" descr="Text&#10;&#10;Description automatically generated">
-            <a:extLst>
-              <a:ext uri="{FF2B5EF4-FFF2-40B4-BE49-F238E27FC236}">
-                <a16:creationId xmlns:a16="http://schemas.microsoft.com/office/drawing/2014/main" id="{7F9B8C36-AC48-4E56-809D-8C924C46F778}"/>
-              </a:ext>
-            </a:extLst>
-          </p:cNvPr>
-          <p:cNvPicPr>
-            <a:picLocks noChangeAspect="1"/>
-          </p:cNvPicPr>
-          <p:nvPr/>
-        </p:nvPicPr>
-        <p:blipFill>
-          <a:blip r:embed="rId2"/>
-          <a:stretch>
-            <a:fillRect/>
-          </a:stretch>
-        </p:blipFill>
-        <p:spPr>
-          <a:xfrm>
-            <a:off x="0" y="470771"/>
-            <a:ext cx="9144000" cy="4672729"/>
-          </a:xfrm>
-          <a:prstGeom prst="rect">
-            <a:avLst/>
-          </a:prstGeom>
-        </p:spPr>
-      </p:pic>
-    </p:spTree>
-    <p:extLst>
-      <p:ext uri="{BB962C8B-B14F-4D97-AF65-F5344CB8AC3E}">
-        <p14:creationId xmlns:p14="http://schemas.microsoft.com/office/powerpoint/2010/main" val="3161681235"/>
-      </p:ext>
-    </p:extLst>
-  </p:cSld>
-  <p:clrMapOvr>
-    <a:masterClrMapping/>
-  </p:clrMapOvr>
-</p:sld>
-</file>
-
-<file path=ppt/slides/slide24.xml><?xml version="1.0" encoding="utf-8"?>
-<p:sld xmlns:a="http://schemas.openxmlformats.org/drawingml/2006/main" xmlns:r="http://schemas.openxmlformats.org/officeDocument/2006/relationships" xmlns:p="http://schemas.openxmlformats.org/presentationml/2006/main">
-  <p:cSld>
-    <p:spTree>
-      <p:nvGrpSpPr>
-        <p:cNvPr id="1" name=""/>
-        <p:cNvGrpSpPr/>
-        <p:nvPr/>
-      </p:nvGrpSpPr>
-      <p:grpSpPr>
-        <a:xfrm>
-          <a:off x="0" y="0"/>
-          <a:ext cx="0" cy="0"/>
-          <a:chOff x="0" y="0"/>
-          <a:chExt cx="0" cy="0"/>
-        </a:xfrm>
-      </p:grpSpPr>
-      <p:sp>
-        <p:nvSpPr>
-          <p:cNvPr id="2" name="Title 1">
-            <a:extLst>
-              <a:ext uri="{FF2B5EF4-FFF2-40B4-BE49-F238E27FC236}">
-                <a16:creationId xmlns:a16="http://schemas.microsoft.com/office/drawing/2014/main" id="{F47C5E47-8D14-4947-8A6A-FF0C9D412CAA}"/>
-              </a:ext>
-            </a:extLst>
-          </p:cNvPr>
-          <p:cNvSpPr>
-            <a:spLocks noGrp="1"/>
-          </p:cNvSpPr>
-          <p:nvPr>
-            <p:ph type="title"/>
-          </p:nvPr>
-        </p:nvSpPr>
-        <p:spPr/>
-        <p:txBody>
-          <a:bodyPr/>
-          <a:lstStyle/>
-          <a:p>
-            <a:endParaRPr lang="en-GB"/>
-          </a:p>
-        </p:txBody>
-      </p:sp>
-      <p:pic>
-        <p:nvPicPr>
-          <p:cNvPr id="4" name="Picture 3" descr="Text&#10;&#10;Description automatically generated">
-            <a:extLst>
-              <a:ext uri="{FF2B5EF4-FFF2-40B4-BE49-F238E27FC236}">
-                <a16:creationId xmlns:a16="http://schemas.microsoft.com/office/drawing/2014/main" id="{570D8620-1D3D-49DA-BE79-F02E8B79898E}"/>
-              </a:ext>
-            </a:extLst>
-          </p:cNvPr>
-          <p:cNvPicPr>
-            <a:picLocks noChangeAspect="1"/>
-          </p:cNvPicPr>
-          <p:nvPr/>
-        </p:nvPicPr>
-        <p:blipFill>
-          <a:blip r:embed="rId2"/>
-          <a:stretch>
-            <a:fillRect/>
-          </a:stretch>
-        </p:blipFill>
-        <p:spPr>
-          <a:xfrm>
-            <a:off x="0" y="470771"/>
-            <a:ext cx="9144000" cy="4672729"/>
-          </a:xfrm>
-          <a:prstGeom prst="rect">
-            <a:avLst/>
-          </a:prstGeom>
-        </p:spPr>
-      </p:pic>
-    </p:spTree>
-    <p:extLst>
-      <p:ext uri="{BB962C8B-B14F-4D97-AF65-F5344CB8AC3E}">
-        <p14:creationId xmlns:p14="http://schemas.microsoft.com/office/powerpoint/2010/main" val="203501604"/>
-      </p:ext>
-    </p:extLst>
-  </p:cSld>
-  <p:clrMapOvr>
-    <a:masterClrMapping/>
-  </p:clrMapOvr>
-</p:sld>
-</file>
-
-<file path=ppt/slides/slide25.xml><?xml version="1.0" encoding="utf-8"?>
-<p:sld xmlns:a="http://schemas.openxmlformats.org/drawingml/2006/main" xmlns:r="http://schemas.openxmlformats.org/officeDocument/2006/relationships" xmlns:p="http://schemas.openxmlformats.org/presentationml/2006/main">
-  <p:cSld>
-    <p:spTree>
-      <p:nvGrpSpPr>
-        <p:cNvPr id="1" name=""/>
-        <p:cNvGrpSpPr/>
-        <p:nvPr/>
-      </p:nvGrpSpPr>
-      <p:grpSpPr>
-        <a:xfrm>
-          <a:off x="0" y="0"/>
-          <a:ext cx="0" cy="0"/>
-          <a:chOff x="0" y="0"/>
-          <a:chExt cx="0" cy="0"/>
-        </a:xfrm>
-      </p:grpSpPr>
-      <p:sp>
-        <p:nvSpPr>
-          <p:cNvPr id="2" name="Title 1">
-            <a:extLst>
-              <a:ext uri="{FF2B5EF4-FFF2-40B4-BE49-F238E27FC236}">
-                <a16:creationId xmlns:a16="http://schemas.microsoft.com/office/drawing/2014/main" id="{1CBC82D9-2D27-42FE-9FD7-AD2DAB13584A}"/>
-              </a:ext>
-            </a:extLst>
-          </p:cNvPr>
-          <p:cNvSpPr>
-            <a:spLocks noGrp="1"/>
-          </p:cNvSpPr>
-          <p:nvPr>
-            <p:ph type="title"/>
-          </p:nvPr>
-        </p:nvSpPr>
-        <p:spPr/>
-        <p:txBody>
-          <a:bodyPr/>
-          <a:lstStyle/>
-          <a:p>
-            <a:endParaRPr lang="en-GB"/>
-          </a:p>
-        </p:txBody>
-      </p:sp>
-      <p:pic>
-        <p:nvPicPr>
-          <p:cNvPr id="4" name="Picture 3" descr="Text&#10;&#10;Description automatically generated">
-            <a:extLst>
-              <a:ext uri="{FF2B5EF4-FFF2-40B4-BE49-F238E27FC236}">
-                <a16:creationId xmlns:a16="http://schemas.microsoft.com/office/drawing/2014/main" id="{5491DAEA-D4CD-400F-A62C-D61416E4586D}"/>
-              </a:ext>
-            </a:extLst>
-          </p:cNvPr>
-          <p:cNvPicPr>
-            <a:picLocks noChangeAspect="1"/>
-          </p:cNvPicPr>
-          <p:nvPr/>
-        </p:nvPicPr>
-        <p:blipFill>
-          <a:blip r:embed="rId2"/>
-          <a:stretch>
-            <a:fillRect/>
-          </a:stretch>
-        </p:blipFill>
-        <p:spPr>
-          <a:xfrm>
-            <a:off x="0" y="470771"/>
-            <a:ext cx="9144000" cy="4672729"/>
-          </a:xfrm>
-          <a:prstGeom prst="rect">
-            <a:avLst/>
-          </a:prstGeom>
-        </p:spPr>
-      </p:pic>
-    </p:spTree>
-    <p:extLst>
-      <p:ext uri="{BB962C8B-B14F-4D97-AF65-F5344CB8AC3E}">
-        <p14:creationId xmlns:p14="http://schemas.microsoft.com/office/powerpoint/2010/main" val="370291271"/>
-      </p:ext>
-    </p:extLst>
-  </p:cSld>
-  <p:clrMapOvr>
-    <a:masterClrMapping/>
-  </p:clrMapOvr>
-</p:sld>
-</file>
-
-<file path=ppt/slides/slide3.xml><?xml version="1.0" encoding="utf-8"?>
+<file path=ppt/slides/slide2.xml><?xml version="1.0" encoding="utf-8"?>
 <p:sld xmlns:a="http://schemas.openxmlformats.org/drawingml/2006/main" xmlns:r="http://schemas.openxmlformats.org/officeDocument/2006/relationships" xmlns:p="http://schemas.openxmlformats.org/presentationml/2006/main">
   <p:cSld>
     <p:spTree>
@@ -4803,7 +4871,557 @@
 </p:sld>
 </file>
 
-<file path=ppt/slides/slide4.xml><?xml version="1.0" encoding="utf-8"?>
+<file path=ppt/slides/slide20.xml><?xml version="1.0" encoding="utf-8"?>
+<p:sld xmlns:a="http://schemas.openxmlformats.org/drawingml/2006/main" xmlns:r="http://schemas.openxmlformats.org/officeDocument/2006/relationships" xmlns:p="http://schemas.openxmlformats.org/presentationml/2006/main">
+  <p:cSld>
+    <p:spTree>
+      <p:nvGrpSpPr>
+        <p:cNvPr id="1" name=""/>
+        <p:cNvGrpSpPr/>
+        <p:nvPr/>
+      </p:nvGrpSpPr>
+      <p:grpSpPr>
+        <a:xfrm>
+          <a:off x="0" y="0"/>
+          <a:ext cx="0" cy="0"/>
+          <a:chOff x="0" y="0"/>
+          <a:chExt cx="0" cy="0"/>
+        </a:xfrm>
+      </p:grpSpPr>
+      <p:sp>
+        <p:nvSpPr>
+          <p:cNvPr id="2" name="Title 1">
+            <a:extLst>
+              <a:ext uri="{FF2B5EF4-FFF2-40B4-BE49-F238E27FC236}">
+                <a16:creationId xmlns:a16="http://schemas.microsoft.com/office/drawing/2014/main" id="{0A502668-8E7A-45D5-A314-DDEAB98F98CD}"/>
+              </a:ext>
+            </a:extLst>
+          </p:cNvPr>
+          <p:cNvSpPr>
+            <a:spLocks noGrp="1"/>
+          </p:cNvSpPr>
+          <p:nvPr>
+            <p:ph type="title"/>
+          </p:nvPr>
+        </p:nvSpPr>
+        <p:spPr/>
+        <p:txBody>
+          <a:bodyPr/>
+          <a:lstStyle/>
+          <a:p>
+            <a:endParaRPr lang="en-GB"/>
+          </a:p>
+        </p:txBody>
+      </p:sp>
+      <p:pic>
+        <p:nvPicPr>
+          <p:cNvPr id="4" name="Picture 3" descr="Text&#10;&#10;Description automatically generated">
+            <a:extLst>
+              <a:ext uri="{FF2B5EF4-FFF2-40B4-BE49-F238E27FC236}">
+                <a16:creationId xmlns:a16="http://schemas.microsoft.com/office/drawing/2014/main" id="{70369D42-C91C-4559-8B6A-9EC1DF654B4E}"/>
+              </a:ext>
+            </a:extLst>
+          </p:cNvPr>
+          <p:cNvPicPr>
+            <a:picLocks noChangeAspect="1"/>
+          </p:cNvPicPr>
+          <p:nvPr/>
+        </p:nvPicPr>
+        <p:blipFill>
+          <a:blip r:embed="rId2"/>
+          <a:stretch>
+            <a:fillRect/>
+          </a:stretch>
+        </p:blipFill>
+        <p:spPr>
+          <a:xfrm>
+            <a:off x="0" y="470771"/>
+            <a:ext cx="9144000" cy="4672729"/>
+          </a:xfrm>
+          <a:prstGeom prst="rect">
+            <a:avLst/>
+          </a:prstGeom>
+        </p:spPr>
+      </p:pic>
+      <p:pic>
+        <p:nvPicPr>
+          <p:cNvPr id="5" name="Picture 4">
+            <a:extLst>
+              <a:ext uri="{FF2B5EF4-FFF2-40B4-BE49-F238E27FC236}">
+                <a16:creationId xmlns:a16="http://schemas.microsoft.com/office/drawing/2014/main" id="{9A3D50C0-3D1F-4A0F-8AD3-613DEC740633}"/>
+              </a:ext>
+            </a:extLst>
+          </p:cNvPr>
+          <p:cNvPicPr>
+            <a:picLocks noChangeAspect="1"/>
+          </p:cNvPicPr>
+          <p:nvPr/>
+        </p:nvPicPr>
+        <p:blipFill>
+          <a:blip r:embed="rId3"/>
+          <a:stretch>
+            <a:fillRect/>
+          </a:stretch>
+        </p:blipFill>
+        <p:spPr>
+          <a:xfrm>
+            <a:off x="3797397" y="3232736"/>
+            <a:ext cx="1247725" cy="279365"/>
+          </a:xfrm>
+          <a:prstGeom prst="rect">
+            <a:avLst/>
+          </a:prstGeom>
+        </p:spPr>
+      </p:pic>
+    </p:spTree>
+    <p:extLst>
+      <p:ext uri="{BB962C8B-B14F-4D97-AF65-F5344CB8AC3E}">
+        <p14:creationId xmlns:p14="http://schemas.microsoft.com/office/powerpoint/2010/main" val="1534210616"/>
+      </p:ext>
+    </p:extLst>
+  </p:cSld>
+  <p:clrMapOvr>
+    <a:masterClrMapping/>
+  </p:clrMapOvr>
+  <p:timing>
+    <p:tnLst>
+      <p:par>
+        <p:cTn id="1" dur="indefinite" restart="never" nodeType="tmRoot">
+          <p:childTnLst>
+            <p:seq concurrent="1" nextAc="seek">
+              <p:cTn id="2" dur="indefinite" nodeType="mainSeq">
+                <p:childTnLst>
+                  <p:par>
+                    <p:cTn id="3" fill="hold">
+                      <p:stCondLst>
+                        <p:cond delay="indefinite"/>
+                      </p:stCondLst>
+                      <p:childTnLst>
+                        <p:par>
+                          <p:cTn id="4" fill="hold">
+                            <p:stCondLst>
+                              <p:cond delay="0"/>
+                            </p:stCondLst>
+                            <p:childTnLst>
+                              <p:par>
+                                <p:cTn id="5" presetID="1" presetClass="entr" presetSubtype="0" fill="hold" nodeType="clickEffect">
+                                  <p:stCondLst>
+                                    <p:cond delay="0"/>
+                                  </p:stCondLst>
+                                  <p:childTnLst>
+                                    <p:set>
+                                      <p:cBhvr>
+                                        <p:cTn id="6" dur="1" fill="hold">
+                                          <p:stCondLst>
+                                            <p:cond delay="0"/>
+                                          </p:stCondLst>
+                                        </p:cTn>
+                                        <p:tgtEl>
+                                          <p:spTgt spid="5"/>
+                                        </p:tgtEl>
+                                        <p:attrNameLst>
+                                          <p:attrName>style.visibility</p:attrName>
+                                        </p:attrNameLst>
+                                      </p:cBhvr>
+                                      <p:to>
+                                        <p:strVal val="visible"/>
+                                      </p:to>
+                                    </p:set>
+                                  </p:childTnLst>
+                                </p:cTn>
+                              </p:par>
+                            </p:childTnLst>
+                          </p:cTn>
+                        </p:par>
+                      </p:childTnLst>
+                    </p:cTn>
+                  </p:par>
+                </p:childTnLst>
+              </p:cTn>
+              <p:prevCondLst>
+                <p:cond evt="onPrev" delay="0">
+                  <p:tgtEl>
+                    <p:sldTgt/>
+                  </p:tgtEl>
+                </p:cond>
+              </p:prevCondLst>
+              <p:nextCondLst>
+                <p:cond evt="onNext" delay="0">
+                  <p:tgtEl>
+                    <p:sldTgt/>
+                  </p:tgtEl>
+                </p:cond>
+              </p:nextCondLst>
+            </p:seq>
+          </p:childTnLst>
+        </p:cTn>
+      </p:par>
+    </p:tnLst>
+  </p:timing>
+</p:sld>
+</file>
+
+<file path=ppt/slides/slide21.xml><?xml version="1.0" encoding="utf-8"?>
+<p:sld xmlns:a="http://schemas.openxmlformats.org/drawingml/2006/main" xmlns:r="http://schemas.openxmlformats.org/officeDocument/2006/relationships" xmlns:p="http://schemas.openxmlformats.org/presentationml/2006/main">
+  <p:cSld>
+    <p:spTree>
+      <p:nvGrpSpPr>
+        <p:cNvPr id="1" name=""/>
+        <p:cNvGrpSpPr/>
+        <p:nvPr/>
+      </p:nvGrpSpPr>
+      <p:grpSpPr>
+        <a:xfrm>
+          <a:off x="0" y="0"/>
+          <a:ext cx="0" cy="0"/>
+          <a:chOff x="0" y="0"/>
+          <a:chExt cx="0" cy="0"/>
+        </a:xfrm>
+      </p:grpSpPr>
+      <p:sp>
+        <p:nvSpPr>
+          <p:cNvPr id="2" name="Title 1">
+            <a:extLst>
+              <a:ext uri="{FF2B5EF4-FFF2-40B4-BE49-F238E27FC236}">
+                <a16:creationId xmlns:a16="http://schemas.microsoft.com/office/drawing/2014/main" id="{BC41AB3A-D930-4C17-838D-643461858B5A}"/>
+              </a:ext>
+            </a:extLst>
+          </p:cNvPr>
+          <p:cNvSpPr>
+            <a:spLocks noGrp="1"/>
+          </p:cNvSpPr>
+          <p:nvPr>
+            <p:ph type="title"/>
+          </p:nvPr>
+        </p:nvSpPr>
+        <p:spPr/>
+        <p:txBody>
+          <a:bodyPr/>
+          <a:lstStyle/>
+          <a:p>
+            <a:endParaRPr lang="en-GB"/>
+          </a:p>
+        </p:txBody>
+      </p:sp>
+      <p:pic>
+        <p:nvPicPr>
+          <p:cNvPr id="4" name="Picture 3" descr="Text&#10;&#10;Description automatically generated">
+            <a:extLst>
+              <a:ext uri="{FF2B5EF4-FFF2-40B4-BE49-F238E27FC236}">
+                <a16:creationId xmlns:a16="http://schemas.microsoft.com/office/drawing/2014/main" id="{7F9B8C36-AC48-4E56-809D-8C924C46F778}"/>
+              </a:ext>
+            </a:extLst>
+          </p:cNvPr>
+          <p:cNvPicPr>
+            <a:picLocks noChangeAspect="1"/>
+          </p:cNvPicPr>
+          <p:nvPr/>
+        </p:nvPicPr>
+        <p:blipFill>
+          <a:blip r:embed="rId2"/>
+          <a:stretch>
+            <a:fillRect/>
+          </a:stretch>
+        </p:blipFill>
+        <p:spPr>
+          <a:xfrm>
+            <a:off x="0" y="470771"/>
+            <a:ext cx="9144000" cy="4672729"/>
+          </a:xfrm>
+          <a:prstGeom prst="rect">
+            <a:avLst/>
+          </a:prstGeom>
+        </p:spPr>
+      </p:pic>
+    </p:spTree>
+    <p:extLst>
+      <p:ext uri="{BB962C8B-B14F-4D97-AF65-F5344CB8AC3E}">
+        <p14:creationId xmlns:p14="http://schemas.microsoft.com/office/powerpoint/2010/main" val="3161681235"/>
+      </p:ext>
+    </p:extLst>
+  </p:cSld>
+  <p:clrMapOvr>
+    <a:masterClrMapping/>
+  </p:clrMapOvr>
+</p:sld>
+</file>
+
+<file path=ppt/slides/slide22.xml><?xml version="1.0" encoding="utf-8"?>
+<p:sld xmlns:a="http://schemas.openxmlformats.org/drawingml/2006/main" xmlns:r="http://schemas.openxmlformats.org/officeDocument/2006/relationships" xmlns:p="http://schemas.openxmlformats.org/presentationml/2006/main">
+  <p:cSld>
+    <p:spTree>
+      <p:nvGrpSpPr>
+        <p:cNvPr id="1" name=""/>
+        <p:cNvGrpSpPr/>
+        <p:nvPr/>
+      </p:nvGrpSpPr>
+      <p:grpSpPr>
+        <a:xfrm>
+          <a:off x="0" y="0"/>
+          <a:ext cx="0" cy="0"/>
+          <a:chOff x="0" y="0"/>
+          <a:chExt cx="0" cy="0"/>
+        </a:xfrm>
+      </p:grpSpPr>
+      <p:sp>
+        <p:nvSpPr>
+          <p:cNvPr id="2" name="Title 1">
+            <a:extLst>
+              <a:ext uri="{FF2B5EF4-FFF2-40B4-BE49-F238E27FC236}">
+                <a16:creationId xmlns:a16="http://schemas.microsoft.com/office/drawing/2014/main" id="{F47C5E47-8D14-4947-8A6A-FF0C9D412CAA}"/>
+              </a:ext>
+            </a:extLst>
+          </p:cNvPr>
+          <p:cNvSpPr>
+            <a:spLocks noGrp="1"/>
+          </p:cNvSpPr>
+          <p:nvPr>
+            <p:ph type="title"/>
+          </p:nvPr>
+        </p:nvSpPr>
+        <p:spPr/>
+        <p:txBody>
+          <a:bodyPr/>
+          <a:lstStyle/>
+          <a:p>
+            <a:endParaRPr lang="en-GB"/>
+          </a:p>
+        </p:txBody>
+      </p:sp>
+      <p:pic>
+        <p:nvPicPr>
+          <p:cNvPr id="4" name="Picture 3" descr="Text&#10;&#10;Description automatically generated">
+            <a:extLst>
+              <a:ext uri="{FF2B5EF4-FFF2-40B4-BE49-F238E27FC236}">
+                <a16:creationId xmlns:a16="http://schemas.microsoft.com/office/drawing/2014/main" id="{570D8620-1D3D-49DA-BE79-F02E8B79898E}"/>
+              </a:ext>
+            </a:extLst>
+          </p:cNvPr>
+          <p:cNvPicPr>
+            <a:picLocks noChangeAspect="1"/>
+          </p:cNvPicPr>
+          <p:nvPr/>
+        </p:nvPicPr>
+        <p:blipFill>
+          <a:blip r:embed="rId2"/>
+          <a:stretch>
+            <a:fillRect/>
+          </a:stretch>
+        </p:blipFill>
+        <p:spPr>
+          <a:xfrm>
+            <a:off x="0" y="470771"/>
+            <a:ext cx="9144000" cy="4672729"/>
+          </a:xfrm>
+          <a:prstGeom prst="rect">
+            <a:avLst/>
+          </a:prstGeom>
+        </p:spPr>
+      </p:pic>
+      <p:pic>
+        <p:nvPicPr>
+          <p:cNvPr id="5" name="Picture 4">
+            <a:extLst>
+              <a:ext uri="{FF2B5EF4-FFF2-40B4-BE49-F238E27FC236}">
+                <a16:creationId xmlns:a16="http://schemas.microsoft.com/office/drawing/2014/main" id="{73412F09-2998-413C-8982-C78642AD1BED}"/>
+              </a:ext>
+            </a:extLst>
+          </p:cNvPr>
+          <p:cNvPicPr>
+            <a:picLocks noChangeAspect="1"/>
+          </p:cNvPicPr>
+          <p:nvPr/>
+        </p:nvPicPr>
+        <p:blipFill>
+          <a:blip r:embed="rId3"/>
+          <a:stretch>
+            <a:fillRect/>
+          </a:stretch>
+        </p:blipFill>
+        <p:spPr>
+          <a:xfrm>
+            <a:off x="3757684" y="4793130"/>
+            <a:ext cx="2142697" cy="279365"/>
+          </a:xfrm>
+          <a:prstGeom prst="rect">
+            <a:avLst/>
+          </a:prstGeom>
+        </p:spPr>
+      </p:pic>
+    </p:spTree>
+    <p:extLst>
+      <p:ext uri="{BB962C8B-B14F-4D97-AF65-F5344CB8AC3E}">
+        <p14:creationId xmlns:p14="http://schemas.microsoft.com/office/powerpoint/2010/main" val="203501604"/>
+      </p:ext>
+    </p:extLst>
+  </p:cSld>
+  <p:clrMapOvr>
+    <a:masterClrMapping/>
+  </p:clrMapOvr>
+  <p:timing>
+    <p:tnLst>
+      <p:par>
+        <p:cTn id="1" dur="indefinite" restart="never" nodeType="tmRoot">
+          <p:childTnLst>
+            <p:seq concurrent="1" nextAc="seek">
+              <p:cTn id="2" dur="indefinite" nodeType="mainSeq">
+                <p:childTnLst>
+                  <p:par>
+                    <p:cTn id="3" fill="hold">
+                      <p:stCondLst>
+                        <p:cond delay="indefinite"/>
+                      </p:stCondLst>
+                      <p:childTnLst>
+                        <p:par>
+                          <p:cTn id="4" fill="hold">
+                            <p:stCondLst>
+                              <p:cond delay="0"/>
+                            </p:stCondLst>
+                            <p:childTnLst>
+                              <p:par>
+                                <p:cTn id="5" presetID="1" presetClass="entr" presetSubtype="0" fill="hold" nodeType="clickEffect">
+                                  <p:stCondLst>
+                                    <p:cond delay="0"/>
+                                  </p:stCondLst>
+                                  <p:childTnLst>
+                                    <p:set>
+                                      <p:cBhvr>
+                                        <p:cTn id="6" dur="1" fill="hold">
+                                          <p:stCondLst>
+                                            <p:cond delay="0"/>
+                                          </p:stCondLst>
+                                        </p:cTn>
+                                        <p:tgtEl>
+                                          <p:spTgt spid="5"/>
+                                        </p:tgtEl>
+                                        <p:attrNameLst>
+                                          <p:attrName>style.visibility</p:attrName>
+                                        </p:attrNameLst>
+                                      </p:cBhvr>
+                                      <p:to>
+                                        <p:strVal val="visible"/>
+                                      </p:to>
+                                    </p:set>
+                                  </p:childTnLst>
+                                </p:cTn>
+                              </p:par>
+                            </p:childTnLst>
+                          </p:cTn>
+                        </p:par>
+                      </p:childTnLst>
+                    </p:cTn>
+                  </p:par>
+                </p:childTnLst>
+              </p:cTn>
+              <p:prevCondLst>
+                <p:cond evt="onPrev" delay="0">
+                  <p:tgtEl>
+                    <p:sldTgt/>
+                  </p:tgtEl>
+                </p:cond>
+              </p:prevCondLst>
+              <p:nextCondLst>
+                <p:cond evt="onNext" delay="0">
+                  <p:tgtEl>
+                    <p:sldTgt/>
+                  </p:tgtEl>
+                </p:cond>
+              </p:nextCondLst>
+            </p:seq>
+          </p:childTnLst>
+        </p:cTn>
+      </p:par>
+    </p:tnLst>
+  </p:timing>
+</p:sld>
+</file>
+
+<file path=ppt/slides/slide23.xml><?xml version="1.0" encoding="utf-8"?>
+<p:sld xmlns:a="http://schemas.openxmlformats.org/drawingml/2006/main" xmlns:r="http://schemas.openxmlformats.org/officeDocument/2006/relationships" xmlns:p="http://schemas.openxmlformats.org/presentationml/2006/main">
+  <p:cSld>
+    <p:spTree>
+      <p:nvGrpSpPr>
+        <p:cNvPr id="1" name=""/>
+        <p:cNvGrpSpPr/>
+        <p:nvPr/>
+      </p:nvGrpSpPr>
+      <p:grpSpPr>
+        <a:xfrm>
+          <a:off x="0" y="0"/>
+          <a:ext cx="0" cy="0"/>
+          <a:chOff x="0" y="0"/>
+          <a:chExt cx="0" cy="0"/>
+        </a:xfrm>
+      </p:grpSpPr>
+      <p:sp>
+        <p:nvSpPr>
+          <p:cNvPr id="2" name="Title 1">
+            <a:extLst>
+              <a:ext uri="{FF2B5EF4-FFF2-40B4-BE49-F238E27FC236}">
+                <a16:creationId xmlns:a16="http://schemas.microsoft.com/office/drawing/2014/main" id="{1CBC82D9-2D27-42FE-9FD7-AD2DAB13584A}"/>
+              </a:ext>
+            </a:extLst>
+          </p:cNvPr>
+          <p:cNvSpPr>
+            <a:spLocks noGrp="1"/>
+          </p:cNvSpPr>
+          <p:nvPr>
+            <p:ph type="title"/>
+          </p:nvPr>
+        </p:nvSpPr>
+        <p:spPr/>
+        <p:txBody>
+          <a:bodyPr/>
+          <a:lstStyle/>
+          <a:p>
+            <a:endParaRPr lang="en-GB"/>
+          </a:p>
+        </p:txBody>
+      </p:sp>
+      <p:pic>
+        <p:nvPicPr>
+          <p:cNvPr id="4" name="Picture 3" descr="Text&#10;&#10;Description automatically generated">
+            <a:extLst>
+              <a:ext uri="{FF2B5EF4-FFF2-40B4-BE49-F238E27FC236}">
+                <a16:creationId xmlns:a16="http://schemas.microsoft.com/office/drawing/2014/main" id="{5491DAEA-D4CD-400F-A62C-D61416E4586D}"/>
+              </a:ext>
+            </a:extLst>
+          </p:cNvPr>
+          <p:cNvPicPr>
+            <a:picLocks noChangeAspect="1"/>
+          </p:cNvPicPr>
+          <p:nvPr/>
+        </p:nvPicPr>
+        <p:blipFill>
+          <a:blip r:embed="rId2"/>
+          <a:stretch>
+            <a:fillRect/>
+          </a:stretch>
+        </p:blipFill>
+        <p:spPr>
+          <a:xfrm>
+            <a:off x="0" y="470771"/>
+            <a:ext cx="9144000" cy="4672729"/>
+          </a:xfrm>
+          <a:prstGeom prst="rect">
+            <a:avLst/>
+          </a:prstGeom>
+        </p:spPr>
+      </p:pic>
+    </p:spTree>
+    <p:extLst>
+      <p:ext uri="{BB962C8B-B14F-4D97-AF65-F5344CB8AC3E}">
+        <p14:creationId xmlns:p14="http://schemas.microsoft.com/office/powerpoint/2010/main" val="370291271"/>
+      </p:ext>
+    </p:extLst>
+  </p:cSld>
+  <p:clrMapOvr>
+    <a:masterClrMapping/>
+  </p:clrMapOvr>
+</p:sld>
+</file>
+
+<file path=ppt/slides/slide3.xml><?xml version="1.0" encoding="utf-8"?>
 <p:sld xmlns:a="http://schemas.openxmlformats.org/drawingml/2006/main" xmlns:r="http://schemas.openxmlformats.org/officeDocument/2006/relationships" xmlns:p="http://schemas.openxmlformats.org/presentationml/2006/main">
   <p:cSld>
     <p:spTree>
@@ -5357,7 +5975,7 @@
 </p:sld>
 </file>
 
-<file path=ppt/slides/slide5.xml><?xml version="1.0" encoding="utf-8"?>
+<file path=ppt/slides/slide4.xml><?xml version="1.0" encoding="utf-8"?>
 <p:sld xmlns:a="http://schemas.openxmlformats.org/drawingml/2006/main" xmlns:r="http://schemas.openxmlformats.org/officeDocument/2006/relationships" xmlns:p="http://schemas.openxmlformats.org/presentationml/2006/main">
   <p:cSld>
     <p:spTree>
@@ -5593,7 +6211,7 @@
 </p:sld>
 </file>
 
-<file path=ppt/slides/slide6.xml><?xml version="1.0" encoding="utf-8"?>
+<file path=ppt/slides/slide5.xml><?xml version="1.0" encoding="utf-8"?>
 <p:sld xmlns:a="http://schemas.openxmlformats.org/drawingml/2006/main" xmlns:r="http://schemas.openxmlformats.org/officeDocument/2006/relationships" xmlns:p="http://schemas.openxmlformats.org/presentationml/2006/main">
   <p:cSld>
     <p:spTree>
@@ -5855,7 +6473,7 @@
 </p:sld>
 </file>
 
-<file path=ppt/slides/slide7.xml><?xml version="1.0" encoding="utf-8"?>
+<file path=ppt/slides/slide6.xml><?xml version="1.0" encoding="utf-8"?>
 <p:sld xmlns:a="http://schemas.openxmlformats.org/drawingml/2006/main" xmlns:r="http://schemas.openxmlformats.org/officeDocument/2006/relationships" xmlns:p="http://schemas.openxmlformats.org/presentationml/2006/main">
   <p:cSld>
     <p:spTree>
@@ -5915,7 +6533,7 @@
 </p:sld>
 </file>
 
-<file path=ppt/slides/slide8.xml><?xml version="1.0" encoding="utf-8"?>
+<file path=ppt/slides/slide7.xml><?xml version="1.0" encoding="utf-8"?>
 <p:sld xmlns:a="http://schemas.openxmlformats.org/drawingml/2006/main" xmlns:r="http://schemas.openxmlformats.org/officeDocument/2006/relationships" xmlns:p="http://schemas.openxmlformats.org/presentationml/2006/main">
   <p:cSld>
     <p:spTree>
@@ -6000,7 +6618,7 @@
 </p:sld>
 </file>
 
-<file path=ppt/slides/slide9.xml><?xml version="1.0" encoding="utf-8"?>
+<file path=ppt/slides/slide8.xml><?xml version="1.0" encoding="utf-8"?>
 <p:sld xmlns:a="http://schemas.openxmlformats.org/drawingml/2006/main" xmlns:r="http://schemas.openxmlformats.org/officeDocument/2006/relationships" xmlns:p="http://schemas.openxmlformats.org/presentationml/2006/main">
   <p:cSld>
     <p:spTree>
@@ -6082,6 +6700,196 @@
   <p:clrMapOvr>
     <a:masterClrMapping/>
   </p:clrMapOvr>
+</p:sld>
+</file>
+
+<file path=ppt/slides/slide9.xml><?xml version="1.0" encoding="utf-8"?>
+<p:sld xmlns:a="http://schemas.openxmlformats.org/drawingml/2006/main" xmlns:r="http://schemas.openxmlformats.org/officeDocument/2006/relationships" xmlns:p="http://schemas.openxmlformats.org/presentationml/2006/main">
+  <p:cSld>
+    <p:spTree>
+      <p:nvGrpSpPr>
+        <p:cNvPr id="1" name=""/>
+        <p:cNvGrpSpPr/>
+        <p:nvPr/>
+      </p:nvGrpSpPr>
+      <p:grpSpPr>
+        <a:xfrm>
+          <a:off x="0" y="0"/>
+          <a:ext cx="0" cy="0"/>
+          <a:chOff x="0" y="0"/>
+          <a:chExt cx="0" cy="0"/>
+        </a:xfrm>
+      </p:grpSpPr>
+      <p:sp>
+        <p:nvSpPr>
+          <p:cNvPr id="2" name="Title 1">
+            <a:extLst>
+              <a:ext uri="{FF2B5EF4-FFF2-40B4-BE49-F238E27FC236}">
+                <a16:creationId xmlns:a16="http://schemas.microsoft.com/office/drawing/2014/main" id="{2AD8F26E-FC6F-451E-AF36-1BD7DD0B2EE4}"/>
+              </a:ext>
+            </a:extLst>
+          </p:cNvPr>
+          <p:cNvSpPr>
+            <a:spLocks noGrp="1"/>
+          </p:cNvSpPr>
+          <p:nvPr>
+            <p:ph type="title"/>
+          </p:nvPr>
+        </p:nvSpPr>
+        <p:spPr/>
+        <p:txBody>
+          <a:bodyPr/>
+          <a:lstStyle/>
+          <a:p>
+            <a:endParaRPr lang="en-GB"/>
+          </a:p>
+        </p:txBody>
+      </p:sp>
+      <p:pic>
+        <p:nvPicPr>
+          <p:cNvPr id="4" name="Picture 3" descr="Text&#10;&#10;Description automatically generated">
+            <a:extLst>
+              <a:ext uri="{FF2B5EF4-FFF2-40B4-BE49-F238E27FC236}">
+                <a16:creationId xmlns:a16="http://schemas.microsoft.com/office/drawing/2014/main" id="{012A9218-28C2-41A7-A5D0-C9D4927FF3D2}"/>
+              </a:ext>
+            </a:extLst>
+          </p:cNvPr>
+          <p:cNvPicPr>
+            <a:picLocks noChangeAspect="1"/>
+          </p:cNvPicPr>
+          <p:nvPr/>
+        </p:nvPicPr>
+        <p:blipFill>
+          <a:blip r:embed="rId2"/>
+          <a:stretch>
+            <a:fillRect/>
+          </a:stretch>
+        </p:blipFill>
+        <p:spPr>
+          <a:xfrm>
+            <a:off x="0" y="470771"/>
+            <a:ext cx="9144000" cy="4672729"/>
+          </a:xfrm>
+          <a:prstGeom prst="rect">
+            <a:avLst/>
+          </a:prstGeom>
+        </p:spPr>
+      </p:pic>
+      <p:pic>
+        <p:nvPicPr>
+          <p:cNvPr id="5" name="Picture 4">
+            <a:extLst>
+              <a:ext uri="{FF2B5EF4-FFF2-40B4-BE49-F238E27FC236}">
+                <a16:creationId xmlns:a16="http://schemas.microsoft.com/office/drawing/2014/main" id="{FEA5ED89-82F6-40E6-998D-8F342A0CEE5E}"/>
+              </a:ext>
+            </a:extLst>
+          </p:cNvPr>
+          <p:cNvPicPr>
+            <a:picLocks noChangeAspect="1"/>
+          </p:cNvPicPr>
+          <p:nvPr/>
+        </p:nvPicPr>
+        <p:blipFill>
+          <a:blip r:embed="rId3"/>
+          <a:stretch>
+            <a:fillRect/>
+          </a:stretch>
+        </p:blipFill>
+        <p:spPr>
+          <a:xfrm>
+            <a:off x="3765552" y="3025254"/>
+            <a:ext cx="697266" cy="213891"/>
+          </a:xfrm>
+          <a:prstGeom prst="rect">
+            <a:avLst/>
+          </a:prstGeom>
+        </p:spPr>
+      </p:pic>
+    </p:spTree>
+    <p:extLst>
+      <p:ext uri="{BB962C8B-B14F-4D97-AF65-F5344CB8AC3E}">
+        <p14:creationId xmlns:p14="http://schemas.microsoft.com/office/powerpoint/2010/main" val="1481352360"/>
+      </p:ext>
+    </p:extLst>
+  </p:cSld>
+  <p:clrMapOvr>
+    <a:masterClrMapping/>
+  </p:clrMapOvr>
+  <p:timing>
+    <p:tnLst>
+      <p:par>
+        <p:cTn id="1" dur="indefinite" restart="never" nodeType="tmRoot">
+          <p:childTnLst>
+            <p:seq concurrent="1" nextAc="seek">
+              <p:cTn id="2" dur="indefinite" nodeType="mainSeq">
+                <p:childTnLst>
+                  <p:par>
+                    <p:cTn id="3" fill="hold">
+                      <p:stCondLst>
+                        <p:cond delay="indefinite"/>
+                      </p:stCondLst>
+                      <p:childTnLst>
+                        <p:par>
+                          <p:cTn id="4" fill="hold">
+                            <p:stCondLst>
+                              <p:cond delay="0"/>
+                            </p:stCondLst>
+                            <p:childTnLst>
+                              <p:par>
+                                <p:cTn id="5" presetID="1" presetClass="entr" presetSubtype="0" fill="hold" nodeType="clickEffect">
+                                  <p:stCondLst>
+                                    <p:cond delay="0"/>
+                                  </p:stCondLst>
+                                  <p:childTnLst>
+                                    <p:set>
+                                      <p:cBhvr>
+                                        <p:cTn id="6" dur="1" fill="hold">
+                                          <p:stCondLst>
+                                            <p:cond delay="0"/>
+                                          </p:stCondLst>
+                                        </p:cTn>
+                                        <p:tgtEl>
+                                          <p:spTgt spid="5"/>
+                                        </p:tgtEl>
+                                        <p:attrNameLst>
+                                          <p:attrName>style.visibility</p:attrName>
+                                        </p:attrNameLst>
+                                      </p:cBhvr>
+                                      <p:to>
+                                        <p:strVal val="visible"/>
+                                      </p:to>
+                                    </p:set>
+                                  </p:childTnLst>
+                                </p:cTn>
+                              </p:par>
+                            </p:childTnLst>
+                          </p:cTn>
+                        </p:par>
+                      </p:childTnLst>
+                    </p:cTn>
+                  </p:par>
+                </p:childTnLst>
+              </p:cTn>
+              <p:prevCondLst>
+                <p:cond evt="onPrev" delay="0">
+                  <p:tgtEl>
+                    <p:sldTgt/>
+                  </p:tgtEl>
+                </p:cond>
+              </p:prevCondLst>
+              <p:nextCondLst>
+                <p:cond evt="onNext" delay="0">
+                  <p:tgtEl>
+                    <p:sldTgt/>
+                  </p:tgtEl>
+                </p:cond>
+              </p:nextCondLst>
+            </p:seq>
+          </p:childTnLst>
+        </p:cTn>
+      </p:par>
+    </p:tnLst>
+  </p:timing>
 </p:sld>
 </file>
 
